--- a/Abgaben/Plakat/Korektur/2img-Plakat_Martin_Münch.pptx
+++ b/Abgaben/Plakat/Korektur/2img-Plakat_Martin_Münch.pptx
@@ -267,7 +267,7 @@
           </a:lstStyle>
           <a:p>
             <a:fld id="{26642800-AB88-E34D-9A89-DF34977E98D8}" type="datetimeFigureOut">
-              <a:t>08.01.2017</a:t>
+              <a:t>11.01.2017</a:t>
             </a:fld>
             <a:endParaRPr lang="en-US" dirty="0"/>
           </a:p>
@@ -31494,10 +31494,6 @@
               </a:rPr>
               <a:t>Abbildung 1: Problem bei der Filterung oder Sortierung auf Basis von Ortsgrenzen oder Postleitzahlen</a:t>
             </a:r>
-            <a:endParaRPr lang="de-DE" sz="2300" dirty="0">
-              <a:latin typeface="Arial" panose="020B0604020202020204" pitchFamily="34" charset="0"/>
-              <a:cs typeface="Arial" panose="020B0604020202020204" pitchFamily="34" charset="0"/>
-            </a:endParaRPr>
           </a:p>
           <a:p>
             <a:pPr lvl="1" algn="just"/>
@@ -31526,7 +31522,7 @@
                 <a:latin typeface="Arial" panose="020B0604020202020204" pitchFamily="34" charset="0"/>
                 <a:cs typeface="Arial" panose="020B0604020202020204" pitchFamily="34" charset="0"/>
               </a:rPr>
-              <a:t>Neben der Visualisierung der Unternehmensstandorte stellt die Darstellung von zusätzlichen Unternehmensdaten eine wichtige Informationsquelle für die Entscheidungsfindung da. Für diesen Zweck verfügt der Prototyp über die Funktionalität die spezifischen Informationen von Unternehmen „last </a:t>
+              <a:t>Neben der Visualisierung der Unternehmensstandorte ist die Darstellung von zusätzlichen Unternehmensdaten eine wichtige Informationsquelle für die Entscheidungsfindung. Für diesen Zweck verfügt der Prototyp über die Funktionalität die spezifischen Informationen von Unternehmen „last </a:t>
             </a:r>
             <a:r>
               <a:rPr lang="de-DE" sz="2300" dirty="0" err="1">
@@ -31626,10 +31622,35 @@
               </a:rPr>
               <a:t>“, …) eingefärbt um einen besseren Überblick zu ermöglichen (siehe Abbildung 2). </a:t>
             </a:r>
-          </a:p>
-          <a:p>
-            <a:pPr algn="just"/>
-            <a:endParaRPr lang="de-DE" sz="2700" dirty="0">
+            <a:r>
+              <a:rPr lang="de-DE" sz="2300" dirty="0">
+                <a:latin typeface="Arial" panose="020B0604020202020204" pitchFamily="34" charset="0"/>
+                <a:cs typeface="Arial" panose="020B0604020202020204" pitchFamily="34" charset="0"/>
+              </a:rPr>
+              <a:t> </a:t>
+            </a:r>
+            <a:endParaRPr lang="de-DE" sz="2700" b="1" dirty="0">
+              <a:latin typeface="Arial" panose="020B0604020202020204" pitchFamily="34" charset="0"/>
+              <a:cs typeface="Arial" panose="020B0604020202020204" pitchFamily="34" charset="0"/>
+            </a:endParaRPr>
+          </a:p>
+          <a:p>
+            <a:pPr lvl="1" algn="just"/>
+            <a:endParaRPr lang="de-DE" sz="2700" b="1" dirty="0">
+              <a:latin typeface="Arial" panose="020B0604020202020204" pitchFamily="34" charset="0"/>
+              <a:cs typeface="Arial" panose="020B0604020202020204" pitchFamily="34" charset="0"/>
+            </a:endParaRPr>
+          </a:p>
+          <a:p>
+            <a:pPr lvl="1" algn="just"/>
+            <a:endParaRPr lang="de-DE" sz="2700" b="1" dirty="0">
+              <a:latin typeface="Arial" panose="020B0604020202020204" pitchFamily="34" charset="0"/>
+              <a:cs typeface="Arial" panose="020B0604020202020204" pitchFamily="34" charset="0"/>
+            </a:endParaRPr>
+          </a:p>
+          <a:p>
+            <a:pPr lvl="1" algn="just"/>
+            <a:endParaRPr lang="de-DE" sz="2700" b="1" dirty="0">
               <a:latin typeface="Arial" panose="020B0604020202020204" pitchFamily="34" charset="0"/>
               <a:cs typeface="Arial" panose="020B0604020202020204" pitchFamily="34" charset="0"/>
             </a:endParaRPr>
@@ -31678,20 +31699,6 @@
           </a:p>
           <a:p>
             <a:pPr algn="just"/>
-            <a:endParaRPr lang="de-DE" sz="2700" b="1" dirty="0">
-              <a:latin typeface="Arial" panose="020B0604020202020204" pitchFamily="34" charset="0"/>
-              <a:cs typeface="Arial" panose="020B0604020202020204" pitchFamily="34" charset="0"/>
-            </a:endParaRPr>
-          </a:p>
-          <a:p>
-            <a:pPr algn="just"/>
-            <a:endParaRPr lang="de-DE" sz="2700" b="1" dirty="0">
-              <a:latin typeface="Arial" panose="020B0604020202020204" pitchFamily="34" charset="0"/>
-              <a:cs typeface="Arial" panose="020B0604020202020204" pitchFamily="34" charset="0"/>
-            </a:endParaRPr>
-          </a:p>
-          <a:p>
-            <a:pPr algn="just"/>
             <a:endParaRPr lang="de-DE" sz="2300" b="1" dirty="0">
               <a:latin typeface="Arial" panose="020B0604020202020204" pitchFamily="34" charset="0"/>
               <a:cs typeface="Arial" panose="020B0604020202020204" pitchFamily="34" charset="0"/>
@@ -31704,7 +31711,14 @@
                 <a:latin typeface="Arial" panose="020B0604020202020204" pitchFamily="34" charset="0"/>
                 <a:cs typeface="Arial" panose="020B0604020202020204" pitchFamily="34" charset="0"/>
               </a:rPr>
-              <a:t>Abbildung 2: Kartenansicht mit farblicher Kodierung der unternehmensspezifischen Information „last </a:t>
+              <a:t>Abbildung 2: </a:t>
+            </a:r>
+            <a:r>
+              <a:rPr lang="de-DE" sz="2300" dirty="0">
+                <a:latin typeface="Arial" panose="020B0604020202020204" pitchFamily="34" charset="0"/>
+                <a:cs typeface="Arial" panose="020B0604020202020204" pitchFamily="34" charset="0"/>
+              </a:rPr>
+              <a:t>Kartenansicht mit farblicher Kodierung der unternehmensspezifischen Information „last </a:t>
             </a:r>
             <a:r>
               <a:rPr lang="de-DE" sz="2300" dirty="0" err="1">
@@ -31720,10 +31734,6 @@
               </a:rPr>
               <a:t>“</a:t>
             </a:r>
-            <a:endParaRPr lang="de-DE" sz="2300" b="1" dirty="0">
-              <a:latin typeface="Arial" panose="020B0604020202020204" pitchFamily="34" charset="0"/>
-              <a:cs typeface="Arial" panose="020B0604020202020204" pitchFamily="34" charset="0"/>
-            </a:endParaRPr>
           </a:p>
           <a:p>
             <a:pPr algn="just"/>
@@ -32043,10 +32053,6 @@
               </a:rPr>
               <a:t>Rudimentärer Einblick in die Domäne</a:t>
             </a:r>
-            <a:endParaRPr lang="de-DE" sz="2300" dirty="0">
-              <a:latin typeface="Arial" panose="020B0604020202020204" pitchFamily="34" charset="0"/>
-              <a:cs typeface="Arial" panose="020B0604020202020204" pitchFamily="34" charset="0"/>
-            </a:endParaRPr>
           </a:p>
           <a:p>
             <a:pPr marL="800100" lvl="1" indent="-342900" algn="just">
@@ -32061,11 +32067,18 @@
               <a:t>Geringe Anzahl an Interviews mit </a:t>
             </a:r>
             <a:r>
+              <a:rPr lang="de-DE" sz="2300">
+                <a:latin typeface="Arial" panose="020B0604020202020204" pitchFamily="34" charset="0"/>
+                <a:cs typeface="Arial" panose="020B0604020202020204" pitchFamily="34" charset="0"/>
+              </a:rPr>
+              <a:t>Experten</a:t>
+            </a:r>
+            <a:r>
               <a:rPr lang="de-DE" sz="2300" dirty="0" err="1">
                 <a:latin typeface="Arial" panose="020B0604020202020204" pitchFamily="34" charset="0"/>
                 <a:cs typeface="Arial" panose="020B0604020202020204" pitchFamily="34" charset="0"/>
               </a:rPr>
-              <a:t>Domänenexperten_innen</a:t>
+              <a:t>_innen</a:t>
             </a:r>
             <a:r>
               <a:rPr lang="de-DE" sz="2300" dirty="0">
@@ -32092,19 +32105,8 @@
                 <a:latin typeface="Arial" panose="020B0604020202020204" pitchFamily="34" charset="0"/>
                 <a:cs typeface="Arial" panose="020B0604020202020204" pitchFamily="34" charset="0"/>
               </a:rPr>
-              <a:t>Definierte Auswahlmöglichkeit der </a:t>
-            </a:r>
-            <a:r>
-              <a:rPr lang="de-DE" sz="2300" dirty="0">
-                <a:latin typeface="Arial" panose="020B0604020202020204" pitchFamily="34" charset="0"/>
-                <a:cs typeface="Arial" panose="020B0604020202020204" pitchFamily="34" charset="0"/>
-              </a:rPr>
-              <a:t>Kontextsensitiven Informationen</a:t>
-            </a:r>
-            <a:endParaRPr lang="de-DE" sz="2300" dirty="0">
-              <a:latin typeface="Arial" panose="020B0604020202020204" pitchFamily="34" charset="0"/>
-              <a:cs typeface="Arial" panose="020B0604020202020204" pitchFamily="34" charset="0"/>
-            </a:endParaRPr>
+              <a:t>Definierte Auswahlmöglichkeit der Kontextsensitiven Informationen</a:t>
+            </a:r>
           </a:p>
           <a:p>
             <a:pPr lvl="1" algn="just"/>
@@ -32866,7 +32868,7 @@
         </p:blipFill>
         <p:spPr>
           <a:xfrm>
-            <a:off x="11755666" y="7549878"/>
+            <a:off x="11755666" y="7477870"/>
             <a:ext cx="9323987" cy="3880690"/>
           </a:xfrm>
           <a:prstGeom prst="rect">
